--- a/phd_slides/img/twosided_market.pptx
+++ b/phd_slides/img/twosided_market.pptx
@@ -5,7 +5,7 @@
     <p:sldMasterId id="2147483660" r:id="rId1"/>
   </p:sldMasterIdLst>
   <p:notesMasterIdLst>
-    <p:notesMasterId r:id="rId7"/>
+    <p:notesMasterId r:id="rId11"/>
   </p:notesMasterIdLst>
   <p:sldIdLst>
     <p:sldId id="257" r:id="rId2"/>
@@ -13,6 +13,10 @@
     <p:sldId id="259" r:id="rId4"/>
     <p:sldId id="260" r:id="rId5"/>
     <p:sldId id="261" r:id="rId6"/>
+    <p:sldId id="262" r:id="rId7"/>
+    <p:sldId id="263" r:id="rId8"/>
+    <p:sldId id="264" r:id="rId9"/>
+    <p:sldId id="265" r:id="rId10"/>
   </p:sldIdLst>
   <p:sldSz cx="12192000" cy="6858000"/>
   <p:notesSz cx="6858000" cy="9144000"/>
@@ -212,7 +216,7 @@
           <a:p>
             <a:fld id="{E0609036-ACF1-D949-BFE2-DC563BDEAF64}" type="datetimeFigureOut">
               <a:rPr lang="en-US" smtClean="0"/>
-              <a:t>12/7/17</a:t>
+              <a:t>12/11/17</a:t>
             </a:fld>
             <a:endParaRPr lang="en-US"/>
           </a:p>
@@ -9468,16 +9472,6 @@
               </a:rPr>
               <a:t>Make assumptions</a:t>
             </a:r>
-            <a:endParaRPr kumimoji="0" lang="en-US" b="0" i="0" u="none" strike="noStrike" cap="none" normalizeH="0" baseline="0" dirty="0" smtClean="0">
-              <a:ln>
-                <a:noFill/>
-              </a:ln>
-              <a:solidFill>
-                <a:schemeClr val="tx1"/>
-              </a:solidFill>
-              <a:effectLst/>
-              <a:latin typeface="Arial" panose="020B0604020202020204" pitchFamily="34" charset="0"/>
-            </a:endParaRPr>
           </a:p>
         </p:txBody>
       </p:sp>
@@ -9583,16 +9577,6 @@
               </a:rPr>
               <a:t>Discover patterns</a:t>
             </a:r>
-            <a:endParaRPr kumimoji="0" lang="en-US" b="0" i="0" u="none" strike="noStrike" cap="none" normalizeH="0" baseline="0" dirty="0" smtClean="0">
-              <a:ln>
-                <a:noFill/>
-              </a:ln>
-              <a:solidFill>
-                <a:schemeClr val="tx1"/>
-              </a:solidFill>
-              <a:effectLst/>
-              <a:latin typeface="Arial" panose="020B0604020202020204" pitchFamily="34" charset="0"/>
-            </a:endParaRPr>
           </a:p>
         </p:txBody>
       </p:sp>
@@ -9669,16 +9653,6 @@
               </a:rPr>
               <a:t>Predict &amp; Explore</a:t>
             </a:r>
-            <a:endParaRPr kumimoji="0" lang="en-US" b="0" i="0" u="none" strike="noStrike" cap="none" normalizeH="0" baseline="0" dirty="0" smtClean="0">
-              <a:ln>
-                <a:noFill/>
-              </a:ln>
-              <a:solidFill>
-                <a:schemeClr val="tx1"/>
-              </a:solidFill>
-              <a:effectLst/>
-              <a:latin typeface="Arial" panose="020B0604020202020204" pitchFamily="34" charset="0"/>
-            </a:endParaRPr>
           </a:p>
         </p:txBody>
       </p:sp>
@@ -9849,16 +9823,6 @@
               </a:rPr>
               <a:t>&amp; Question</a:t>
             </a:r>
-            <a:endParaRPr kumimoji="0" lang="en-US" b="0" i="0" u="none" strike="noStrike" cap="none" normalizeH="0" baseline="0" smtClean="0">
-              <a:ln>
-                <a:noFill/>
-              </a:ln>
-              <a:solidFill>
-                <a:schemeClr val="tx1"/>
-              </a:solidFill>
-              <a:effectLst/>
-              <a:latin typeface="Arial" panose="020B0604020202020204" pitchFamily="34" charset="0"/>
-            </a:endParaRPr>
           </a:p>
         </p:txBody>
       </p:sp>
@@ -9935,16 +9899,6 @@
               </a:rPr>
               <a:t>Data</a:t>
             </a:r>
-            <a:endParaRPr kumimoji="0" lang="en-US" b="0" i="0" u="none" strike="noStrike" cap="none" normalizeH="0" baseline="0" dirty="0" smtClean="0">
-              <a:ln>
-                <a:noFill/>
-              </a:ln>
-              <a:solidFill>
-                <a:schemeClr val="tx1"/>
-              </a:solidFill>
-              <a:effectLst/>
-              <a:latin typeface="Arial" panose="020B0604020202020204" pitchFamily="34" charset="0"/>
-            </a:endParaRPr>
           </a:p>
         </p:txBody>
       </p:sp>
@@ -10168,6 +10122,690 @@
     <p:extLst>
       <p:ext uri="{BB962C8B-B14F-4D97-AF65-F5344CB8AC3E}">
         <p14:creationId xmlns:p14="http://schemas.microsoft.com/office/powerpoint/2010/main" val="809507869"/>
+      </p:ext>
+    </p:extLst>
+  </p:cSld>
+  <p:clrMapOvr>
+    <a:masterClrMapping/>
+  </p:clrMapOvr>
+</p:sld>
+</file>
+
+<file path=ppt/slides/slide6.xml><?xml version="1.0" encoding="utf-8"?>
+<p:sld xmlns:a="http://schemas.openxmlformats.org/drawingml/2006/main" xmlns:r="http://schemas.openxmlformats.org/officeDocument/2006/relationships" xmlns:p="http://schemas.openxmlformats.org/presentationml/2006/main">
+  <p:cSld>
+    <p:spTree>
+      <p:nvGrpSpPr>
+        <p:cNvPr id="1" name=""/>
+        <p:cNvGrpSpPr/>
+        <p:nvPr/>
+      </p:nvGrpSpPr>
+      <p:grpSpPr>
+        <a:xfrm>
+          <a:off x="0" y="0"/>
+          <a:ext cx="0" cy="0"/>
+          <a:chOff x="0" y="0"/>
+          <a:chExt cx="0" cy="0"/>
+        </a:xfrm>
+      </p:grpSpPr>
+      <p:pic>
+        <p:nvPicPr>
+          <p:cNvPr id="2" name="Bild 1"/>
+          <p:cNvPicPr>
+            <a:picLocks noChangeAspect="1"/>
+          </p:cNvPicPr>
+          <p:nvPr/>
+        </p:nvPicPr>
+        <p:blipFill>
+          <a:blip r:embed="rId2">
+            <a:extLst>
+              <a:ext uri="{28A0092B-C50C-407E-A947-70E740481C1C}">
+                <a14:useLocalDpi xmlns:a14="http://schemas.microsoft.com/office/drawing/2010/main" val="0"/>
+              </a:ext>
+            </a:extLst>
+          </a:blip>
+          <a:stretch>
+            <a:fillRect/>
+          </a:stretch>
+        </p:blipFill>
+        <p:spPr>
+          <a:xfrm>
+            <a:off x="1188290" y="1672682"/>
+            <a:ext cx="9167546" cy="3512636"/>
+          </a:xfrm>
+          <a:prstGeom prst="rect">
+            <a:avLst/>
+          </a:prstGeom>
+        </p:spPr>
+      </p:pic>
+    </p:spTree>
+    <p:extLst>
+      <p:ext uri="{BB962C8B-B14F-4D97-AF65-F5344CB8AC3E}">
+        <p14:creationId xmlns:p14="http://schemas.microsoft.com/office/powerpoint/2010/main" val="1722430070"/>
+      </p:ext>
+    </p:extLst>
+  </p:cSld>
+  <p:clrMapOvr>
+    <a:masterClrMapping/>
+  </p:clrMapOvr>
+</p:sld>
+</file>
+
+<file path=ppt/slides/slide7.xml><?xml version="1.0" encoding="utf-8"?>
+<p:sld xmlns:a="http://schemas.openxmlformats.org/drawingml/2006/main" xmlns:r="http://schemas.openxmlformats.org/officeDocument/2006/relationships" xmlns:p="http://schemas.openxmlformats.org/presentationml/2006/main">
+  <p:cSld>
+    <p:spTree>
+      <p:nvGrpSpPr>
+        <p:cNvPr id="1" name=""/>
+        <p:cNvGrpSpPr/>
+        <p:nvPr/>
+      </p:nvGrpSpPr>
+      <p:grpSpPr>
+        <a:xfrm>
+          <a:off x="0" y="0"/>
+          <a:ext cx="0" cy="0"/>
+          <a:chOff x="0" y="0"/>
+          <a:chExt cx="0" cy="0"/>
+        </a:xfrm>
+      </p:grpSpPr>
+      <p:pic>
+        <p:nvPicPr>
+          <p:cNvPr id="2" name="Bild 1"/>
+          <p:cNvPicPr>
+            <a:picLocks noChangeAspect="1"/>
+          </p:cNvPicPr>
+          <p:nvPr/>
+        </p:nvPicPr>
+        <p:blipFill>
+          <a:blip r:embed="rId2">
+            <a:extLst>
+              <a:ext uri="{28A0092B-C50C-407E-A947-70E740481C1C}">
+                <a14:useLocalDpi xmlns:a14="http://schemas.microsoft.com/office/drawing/2010/main" val="0"/>
+              </a:ext>
+            </a:extLst>
+          </a:blip>
+          <a:stretch>
+            <a:fillRect/>
+          </a:stretch>
+        </p:blipFill>
+        <p:spPr>
+          <a:xfrm>
+            <a:off x="1188290" y="1672682"/>
+            <a:ext cx="9167546" cy="3512636"/>
+          </a:xfrm>
+          <a:prstGeom prst="rect">
+            <a:avLst/>
+          </a:prstGeom>
+        </p:spPr>
+      </p:pic>
+      <p:sp>
+        <p:nvSpPr>
+          <p:cNvPr id="3" name="Oval 2"/>
+          <p:cNvSpPr/>
+          <p:nvPr/>
+        </p:nvSpPr>
+        <p:spPr bwMode="auto">
+          <a:xfrm>
+            <a:off x="1048214" y="1215482"/>
+            <a:ext cx="4014439" cy="4181708"/>
+          </a:xfrm>
+          <a:prstGeom prst="ellipse">
+            <a:avLst/>
+          </a:prstGeom>
+          <a:noFill/>
+          <a:ln w="28575">
+            <a:solidFill>
+              <a:schemeClr val="accent2"/>
+            </a:solidFill>
+            <a:prstDash val="dash"/>
+          </a:ln>
+          <a:extLst/>
+        </p:spPr>
+        <p:style>
+          <a:lnRef idx="2">
+            <a:schemeClr val="accent2"/>
+          </a:lnRef>
+          <a:fillRef idx="1">
+            <a:schemeClr val="lt1"/>
+          </a:fillRef>
+          <a:effectRef idx="0">
+            <a:schemeClr val="accent2"/>
+          </a:effectRef>
+          <a:fontRef idx="minor">
+            <a:schemeClr val="dk1"/>
+          </a:fontRef>
+        </p:style>
+        <p:txBody>
+          <a:bodyPr vert="horz" wrap="square" lIns="91440" tIns="45720" rIns="91440" bIns="45720" numCol="1" rtlCol="0" anchor="t" anchorCtr="0" compatLnSpc="1">
+            <a:prstTxWarp prst="textNoShape">
+              <a:avLst/>
+            </a:prstTxWarp>
+          </a:bodyPr>
+          <a:lstStyle/>
+          <a:p>
+            <a:pPr marL="0" marR="0" indent="0" algn="l" defTabSz="914400" rtl="0" eaLnBrk="1" fontAlgn="base" latinLnBrk="0" hangingPunct="1">
+              <a:lnSpc>
+                <a:spcPct val="100000"/>
+              </a:lnSpc>
+              <a:spcBef>
+                <a:spcPct val="30000"/>
+              </a:spcBef>
+              <a:spcAft>
+                <a:spcPct val="0"/>
+              </a:spcAft>
+              <a:buClrTx/>
+              <a:buSzTx/>
+              <a:buFontTx/>
+              <a:buNone/>
+              <a:tabLst/>
+            </a:pPr>
+            <a:endParaRPr kumimoji="0" lang="en-US" sz="1200" b="0" i="0" u="none" strike="noStrike" cap="none" normalizeH="0" baseline="0" smtClean="0">
+              <a:ln>
+                <a:noFill/>
+              </a:ln>
+              <a:solidFill>
+                <a:schemeClr val="tx1"/>
+              </a:solidFill>
+              <a:effectLst/>
+              <a:latin typeface="Arial" panose="020B0604020202020204" pitchFamily="34" charset="0"/>
+            </a:endParaRPr>
+          </a:p>
+        </p:txBody>
+      </p:sp>
+    </p:spTree>
+    <p:extLst>
+      <p:ext uri="{BB962C8B-B14F-4D97-AF65-F5344CB8AC3E}">
+        <p14:creationId xmlns:p14="http://schemas.microsoft.com/office/powerpoint/2010/main" val="802624930"/>
+      </p:ext>
+    </p:extLst>
+  </p:cSld>
+  <p:clrMapOvr>
+    <a:masterClrMapping/>
+  </p:clrMapOvr>
+</p:sld>
+</file>
+
+<file path=ppt/slides/slide8.xml><?xml version="1.0" encoding="utf-8"?>
+<p:sld xmlns:a="http://schemas.openxmlformats.org/drawingml/2006/main" xmlns:r="http://schemas.openxmlformats.org/officeDocument/2006/relationships" xmlns:p="http://schemas.openxmlformats.org/presentationml/2006/main">
+  <p:cSld>
+    <p:spTree>
+      <p:nvGrpSpPr>
+        <p:cNvPr id="1" name=""/>
+        <p:cNvGrpSpPr/>
+        <p:nvPr/>
+      </p:nvGrpSpPr>
+      <p:grpSpPr>
+        <a:xfrm>
+          <a:off x="0" y="0"/>
+          <a:ext cx="0" cy="0"/>
+          <a:chOff x="0" y="0"/>
+          <a:chExt cx="0" cy="0"/>
+        </a:xfrm>
+      </p:grpSpPr>
+      <p:pic>
+        <p:nvPicPr>
+          <p:cNvPr id="2" name="Bild 1"/>
+          <p:cNvPicPr>
+            <a:picLocks noChangeAspect="1"/>
+          </p:cNvPicPr>
+          <p:nvPr/>
+        </p:nvPicPr>
+        <p:blipFill>
+          <a:blip r:embed="rId2">
+            <a:extLst>
+              <a:ext uri="{28A0092B-C50C-407E-A947-70E740481C1C}">
+                <a14:useLocalDpi xmlns:a14="http://schemas.microsoft.com/office/drawing/2010/main" val="0"/>
+              </a:ext>
+            </a:extLst>
+          </a:blip>
+          <a:stretch>
+            <a:fillRect/>
+          </a:stretch>
+        </p:blipFill>
+        <p:spPr>
+          <a:xfrm>
+            <a:off x="1188290" y="1672682"/>
+            <a:ext cx="9167546" cy="3512636"/>
+          </a:xfrm>
+          <a:prstGeom prst="rect">
+            <a:avLst/>
+          </a:prstGeom>
+        </p:spPr>
+      </p:pic>
+      <p:sp>
+        <p:nvSpPr>
+          <p:cNvPr id="3" name="Oval 2"/>
+          <p:cNvSpPr/>
+          <p:nvPr/>
+        </p:nvSpPr>
+        <p:spPr bwMode="auto">
+          <a:xfrm>
+            <a:off x="1048214" y="1215482"/>
+            <a:ext cx="4014439" cy="4181708"/>
+          </a:xfrm>
+          <a:prstGeom prst="ellipse">
+            <a:avLst/>
+          </a:prstGeom>
+          <a:noFill/>
+          <a:ln w="28575">
+            <a:solidFill>
+              <a:schemeClr val="accent2"/>
+            </a:solidFill>
+            <a:prstDash val="dash"/>
+          </a:ln>
+          <a:extLst/>
+        </p:spPr>
+        <p:style>
+          <a:lnRef idx="2">
+            <a:schemeClr val="accent2"/>
+          </a:lnRef>
+          <a:fillRef idx="1">
+            <a:schemeClr val="lt1"/>
+          </a:fillRef>
+          <a:effectRef idx="0">
+            <a:schemeClr val="accent2"/>
+          </a:effectRef>
+          <a:fontRef idx="minor">
+            <a:schemeClr val="dk1"/>
+          </a:fontRef>
+        </p:style>
+        <p:txBody>
+          <a:bodyPr vert="horz" wrap="square" lIns="91440" tIns="45720" rIns="91440" bIns="45720" numCol="1" rtlCol="0" anchor="t" anchorCtr="0" compatLnSpc="1">
+            <a:prstTxWarp prst="textNoShape">
+              <a:avLst/>
+            </a:prstTxWarp>
+          </a:bodyPr>
+          <a:lstStyle/>
+          <a:p>
+            <a:pPr marL="0" marR="0" indent="0" algn="l" defTabSz="914400" rtl="0" eaLnBrk="1" fontAlgn="base" latinLnBrk="0" hangingPunct="1">
+              <a:lnSpc>
+                <a:spcPct val="100000"/>
+              </a:lnSpc>
+              <a:spcBef>
+                <a:spcPct val="30000"/>
+              </a:spcBef>
+              <a:spcAft>
+                <a:spcPct val="0"/>
+              </a:spcAft>
+              <a:buClrTx/>
+              <a:buSzTx/>
+              <a:buFontTx/>
+              <a:buNone/>
+              <a:tabLst/>
+            </a:pPr>
+            <a:endParaRPr kumimoji="0" lang="en-US" sz="1200" b="0" i="0" u="none" strike="noStrike" cap="none" normalizeH="0" baseline="0" smtClean="0">
+              <a:ln>
+                <a:noFill/>
+              </a:ln>
+              <a:solidFill>
+                <a:schemeClr val="tx1"/>
+              </a:solidFill>
+              <a:effectLst/>
+              <a:latin typeface="Arial" panose="020B0604020202020204" pitchFamily="34" charset="0"/>
+            </a:endParaRPr>
+          </a:p>
+        </p:txBody>
+      </p:sp>
+      <p:sp>
+        <p:nvSpPr>
+          <p:cNvPr id="4" name="Oval 3"/>
+          <p:cNvSpPr/>
+          <p:nvPr/>
+        </p:nvSpPr>
+        <p:spPr bwMode="auto">
+          <a:xfrm>
+            <a:off x="7571678" y="1215482"/>
+            <a:ext cx="2924234" cy="4181708"/>
+          </a:xfrm>
+          <a:prstGeom prst="ellipse">
+            <a:avLst/>
+          </a:prstGeom>
+          <a:noFill/>
+          <a:ln w="28575">
+            <a:solidFill>
+              <a:schemeClr val="accent2"/>
+            </a:solidFill>
+            <a:prstDash val="dash"/>
+          </a:ln>
+          <a:extLst/>
+        </p:spPr>
+        <p:style>
+          <a:lnRef idx="2">
+            <a:schemeClr val="accent2"/>
+          </a:lnRef>
+          <a:fillRef idx="1">
+            <a:schemeClr val="lt1"/>
+          </a:fillRef>
+          <a:effectRef idx="0">
+            <a:schemeClr val="accent2"/>
+          </a:effectRef>
+          <a:fontRef idx="minor">
+            <a:schemeClr val="dk1"/>
+          </a:fontRef>
+        </p:style>
+        <p:txBody>
+          <a:bodyPr vert="horz" wrap="square" lIns="91440" tIns="45720" rIns="91440" bIns="45720" numCol="1" rtlCol="0" anchor="t" anchorCtr="0" compatLnSpc="1">
+            <a:prstTxWarp prst="textNoShape">
+              <a:avLst/>
+            </a:prstTxWarp>
+          </a:bodyPr>
+          <a:lstStyle/>
+          <a:p>
+            <a:pPr marL="0" marR="0" indent="0" algn="l" defTabSz="914400" rtl="0" eaLnBrk="1" fontAlgn="base" latinLnBrk="0" hangingPunct="1">
+              <a:lnSpc>
+                <a:spcPct val="100000"/>
+              </a:lnSpc>
+              <a:spcBef>
+                <a:spcPct val="30000"/>
+              </a:spcBef>
+              <a:spcAft>
+                <a:spcPct val="0"/>
+              </a:spcAft>
+              <a:buClrTx/>
+              <a:buSzTx/>
+              <a:buFontTx/>
+              <a:buNone/>
+              <a:tabLst/>
+            </a:pPr>
+            <a:endParaRPr kumimoji="0" lang="en-US" sz="1200" b="0" i="0" u="none" strike="noStrike" cap="none" normalizeH="0" baseline="0" smtClean="0">
+              <a:ln>
+                <a:noFill/>
+              </a:ln>
+              <a:solidFill>
+                <a:schemeClr val="tx1"/>
+              </a:solidFill>
+              <a:effectLst/>
+              <a:latin typeface="Arial" panose="020B0604020202020204" pitchFamily="34" charset="0"/>
+            </a:endParaRPr>
+          </a:p>
+        </p:txBody>
+      </p:sp>
+    </p:spTree>
+    <p:extLst>
+      <p:ext uri="{BB962C8B-B14F-4D97-AF65-F5344CB8AC3E}">
+        <p14:creationId xmlns:p14="http://schemas.microsoft.com/office/powerpoint/2010/main" val="647552738"/>
+      </p:ext>
+    </p:extLst>
+  </p:cSld>
+  <p:clrMapOvr>
+    <a:masterClrMapping/>
+  </p:clrMapOvr>
+</p:sld>
+</file>
+
+<file path=ppt/slides/slide9.xml><?xml version="1.0" encoding="utf-8"?>
+<p:sld xmlns:a="http://schemas.openxmlformats.org/drawingml/2006/main" xmlns:r="http://schemas.openxmlformats.org/officeDocument/2006/relationships" xmlns:p="http://schemas.openxmlformats.org/presentationml/2006/main">
+  <p:cSld>
+    <p:spTree>
+      <p:nvGrpSpPr>
+        <p:cNvPr id="1" name=""/>
+        <p:cNvGrpSpPr/>
+        <p:nvPr/>
+      </p:nvGrpSpPr>
+      <p:grpSpPr>
+        <a:xfrm>
+          <a:off x="0" y="0"/>
+          <a:ext cx="0" cy="0"/>
+          <a:chOff x="0" y="0"/>
+          <a:chExt cx="0" cy="0"/>
+        </a:xfrm>
+      </p:grpSpPr>
+      <p:pic>
+        <p:nvPicPr>
+          <p:cNvPr id="2" name="Bild 1"/>
+          <p:cNvPicPr>
+            <a:picLocks noChangeAspect="1"/>
+          </p:cNvPicPr>
+          <p:nvPr/>
+        </p:nvPicPr>
+        <p:blipFill>
+          <a:blip r:embed="rId2">
+            <a:extLst>
+              <a:ext uri="{28A0092B-C50C-407E-A947-70E740481C1C}">
+                <a14:useLocalDpi xmlns:a14="http://schemas.microsoft.com/office/drawing/2010/main" val="0"/>
+              </a:ext>
+            </a:extLst>
+          </a:blip>
+          <a:stretch>
+            <a:fillRect/>
+          </a:stretch>
+        </p:blipFill>
+        <p:spPr>
+          <a:xfrm>
+            <a:off x="1188290" y="1672682"/>
+            <a:ext cx="9167546" cy="3512636"/>
+          </a:xfrm>
+          <a:prstGeom prst="rect">
+            <a:avLst/>
+          </a:prstGeom>
+        </p:spPr>
+      </p:pic>
+      <p:sp>
+        <p:nvSpPr>
+          <p:cNvPr id="3" name="Oval 2"/>
+          <p:cNvSpPr/>
+          <p:nvPr/>
+        </p:nvSpPr>
+        <p:spPr bwMode="auto">
+          <a:xfrm>
+            <a:off x="1048214" y="1215482"/>
+            <a:ext cx="4014439" cy="4181708"/>
+          </a:xfrm>
+          <a:prstGeom prst="ellipse">
+            <a:avLst/>
+          </a:prstGeom>
+          <a:noFill/>
+          <a:ln w="28575">
+            <a:solidFill>
+              <a:schemeClr val="accent2"/>
+            </a:solidFill>
+            <a:prstDash val="dash"/>
+          </a:ln>
+          <a:extLst/>
+        </p:spPr>
+        <p:style>
+          <a:lnRef idx="2">
+            <a:schemeClr val="accent2"/>
+          </a:lnRef>
+          <a:fillRef idx="1">
+            <a:schemeClr val="lt1"/>
+          </a:fillRef>
+          <a:effectRef idx="0">
+            <a:schemeClr val="accent2"/>
+          </a:effectRef>
+          <a:fontRef idx="minor">
+            <a:schemeClr val="dk1"/>
+          </a:fontRef>
+        </p:style>
+        <p:txBody>
+          <a:bodyPr vert="horz" wrap="square" lIns="91440" tIns="45720" rIns="91440" bIns="45720" numCol="1" rtlCol="0" anchor="t" anchorCtr="0" compatLnSpc="1">
+            <a:prstTxWarp prst="textNoShape">
+              <a:avLst/>
+            </a:prstTxWarp>
+          </a:bodyPr>
+          <a:lstStyle/>
+          <a:p>
+            <a:pPr marL="0" marR="0" indent="0" algn="l" defTabSz="914400" rtl="0" eaLnBrk="1" fontAlgn="base" latinLnBrk="0" hangingPunct="1">
+              <a:lnSpc>
+                <a:spcPct val="100000"/>
+              </a:lnSpc>
+              <a:spcBef>
+                <a:spcPct val="30000"/>
+              </a:spcBef>
+              <a:spcAft>
+                <a:spcPct val="0"/>
+              </a:spcAft>
+              <a:buClrTx/>
+              <a:buSzTx/>
+              <a:buFontTx/>
+              <a:buNone/>
+              <a:tabLst/>
+            </a:pPr>
+            <a:endParaRPr kumimoji="0" lang="en-US" sz="1200" b="0" i="0" u="none" strike="noStrike" cap="none" normalizeH="0" baseline="0" smtClean="0">
+              <a:ln>
+                <a:noFill/>
+              </a:ln>
+              <a:solidFill>
+                <a:schemeClr val="tx1"/>
+              </a:solidFill>
+              <a:effectLst/>
+              <a:latin typeface="Arial" panose="020B0604020202020204" pitchFamily="34" charset="0"/>
+            </a:endParaRPr>
+          </a:p>
+        </p:txBody>
+      </p:sp>
+      <p:sp>
+        <p:nvSpPr>
+          <p:cNvPr id="4" name="Oval 3"/>
+          <p:cNvSpPr/>
+          <p:nvPr/>
+        </p:nvSpPr>
+        <p:spPr bwMode="auto">
+          <a:xfrm>
+            <a:off x="7571678" y="1215482"/>
+            <a:ext cx="2924234" cy="4181708"/>
+          </a:xfrm>
+          <a:prstGeom prst="ellipse">
+            <a:avLst/>
+          </a:prstGeom>
+          <a:noFill/>
+          <a:ln w="28575">
+            <a:solidFill>
+              <a:schemeClr val="accent2"/>
+            </a:solidFill>
+            <a:prstDash val="dash"/>
+          </a:ln>
+          <a:extLst/>
+        </p:spPr>
+        <p:style>
+          <a:lnRef idx="2">
+            <a:schemeClr val="accent2"/>
+          </a:lnRef>
+          <a:fillRef idx="1">
+            <a:schemeClr val="lt1"/>
+          </a:fillRef>
+          <a:effectRef idx="0">
+            <a:schemeClr val="accent2"/>
+          </a:effectRef>
+          <a:fontRef idx="minor">
+            <a:schemeClr val="dk1"/>
+          </a:fontRef>
+        </p:style>
+        <p:txBody>
+          <a:bodyPr vert="horz" wrap="square" lIns="91440" tIns="45720" rIns="91440" bIns="45720" numCol="1" rtlCol="0" anchor="t" anchorCtr="0" compatLnSpc="1">
+            <a:prstTxWarp prst="textNoShape">
+              <a:avLst/>
+            </a:prstTxWarp>
+          </a:bodyPr>
+          <a:lstStyle/>
+          <a:p>
+            <a:pPr marL="0" marR="0" indent="0" algn="l" defTabSz="914400" rtl="0" eaLnBrk="1" fontAlgn="base" latinLnBrk="0" hangingPunct="1">
+              <a:lnSpc>
+                <a:spcPct val="100000"/>
+              </a:lnSpc>
+              <a:spcBef>
+                <a:spcPct val="30000"/>
+              </a:spcBef>
+              <a:spcAft>
+                <a:spcPct val="0"/>
+              </a:spcAft>
+              <a:buClrTx/>
+              <a:buSzTx/>
+              <a:buFontTx/>
+              <a:buNone/>
+              <a:tabLst/>
+            </a:pPr>
+            <a:endParaRPr kumimoji="0" lang="en-US" sz="1200" b="0" i="0" u="none" strike="noStrike" cap="none" normalizeH="0" baseline="0" smtClean="0">
+              <a:ln>
+                <a:noFill/>
+              </a:ln>
+              <a:solidFill>
+                <a:schemeClr val="tx1"/>
+              </a:solidFill>
+              <a:effectLst/>
+              <a:latin typeface="Arial" panose="020B0604020202020204" pitchFamily="34" charset="0"/>
+            </a:endParaRPr>
+          </a:p>
+        </p:txBody>
+      </p:sp>
+      <p:sp>
+        <p:nvSpPr>
+          <p:cNvPr id="5" name="Oval 4"/>
+          <p:cNvSpPr/>
+          <p:nvPr/>
+        </p:nvSpPr>
+        <p:spPr bwMode="auto">
+          <a:xfrm>
+            <a:off x="4627755" y="1215482"/>
+            <a:ext cx="2943923" cy="4181708"/>
+          </a:xfrm>
+          <a:prstGeom prst="ellipse">
+            <a:avLst/>
+          </a:prstGeom>
+          <a:noFill/>
+          <a:ln w="28575">
+            <a:solidFill>
+              <a:schemeClr val="accent1"/>
+            </a:solidFill>
+            <a:prstDash val="dash"/>
+          </a:ln>
+          <a:extLst/>
+        </p:spPr>
+        <p:style>
+          <a:lnRef idx="2">
+            <a:schemeClr val="accent2"/>
+          </a:lnRef>
+          <a:fillRef idx="1">
+            <a:schemeClr val="lt1"/>
+          </a:fillRef>
+          <a:effectRef idx="0">
+            <a:schemeClr val="accent2"/>
+          </a:effectRef>
+          <a:fontRef idx="minor">
+            <a:schemeClr val="dk1"/>
+          </a:fontRef>
+        </p:style>
+        <p:txBody>
+          <a:bodyPr vert="horz" wrap="square" lIns="91440" tIns="45720" rIns="91440" bIns="45720" numCol="1" rtlCol="0" anchor="t" anchorCtr="0" compatLnSpc="1">
+            <a:prstTxWarp prst="textNoShape">
+              <a:avLst/>
+            </a:prstTxWarp>
+          </a:bodyPr>
+          <a:lstStyle/>
+          <a:p>
+            <a:pPr marL="0" marR="0" indent="0" algn="l" defTabSz="914400" rtl="0" eaLnBrk="1" fontAlgn="base" latinLnBrk="0" hangingPunct="1">
+              <a:lnSpc>
+                <a:spcPct val="100000"/>
+              </a:lnSpc>
+              <a:spcBef>
+                <a:spcPct val="30000"/>
+              </a:spcBef>
+              <a:spcAft>
+                <a:spcPct val="0"/>
+              </a:spcAft>
+              <a:buClrTx/>
+              <a:buSzTx/>
+              <a:buFontTx/>
+              <a:buNone/>
+              <a:tabLst/>
+            </a:pPr>
+            <a:endParaRPr kumimoji="0" lang="en-US" sz="1200" b="0" i="0" u="none" strike="noStrike" cap="none" normalizeH="0" baseline="0" smtClean="0">
+              <a:ln>
+                <a:noFill/>
+              </a:ln>
+              <a:solidFill>
+                <a:schemeClr val="tx1"/>
+              </a:solidFill>
+              <a:effectLst/>
+              <a:latin typeface="Arial" panose="020B0604020202020204" pitchFamily="34" charset="0"/>
+            </a:endParaRPr>
+          </a:p>
+        </p:txBody>
+      </p:sp>
+    </p:spTree>
+    <p:extLst>
+      <p:ext uri="{BB962C8B-B14F-4D97-AF65-F5344CB8AC3E}">
+        <p14:creationId xmlns:p14="http://schemas.microsoft.com/office/powerpoint/2010/main" val="2119228217"/>
       </p:ext>
     </p:extLst>
   </p:cSld>
